--- a/Share/如何制作ppt.pptx
+++ b/Share/如何制作ppt.pptx
@@ -357,11 +357,11 @@
         </c:dLbls>
         <c:gapWidth val="219"/>
         <c:overlap val="-27"/>
-        <c:axId val="467081408"/>
-        <c:axId val="467083648"/>
+        <c:axId val="276235120"/>
+        <c:axId val="276235680"/>
       </c:barChart>
       <c:catAx>
-        <c:axId val="467081408"/>
+        <c:axId val="276235120"/>
         <c:scaling>
           <c:orientation val="minMax"/>
         </c:scaling>
@@ -371,7 +371,7 @@
         <c:majorTickMark val="none"/>
         <c:minorTickMark val="none"/>
         <c:tickLblPos val="nextTo"/>
-        <c:crossAx val="467083648"/>
+        <c:crossAx val="276235680"/>
         <c:crosses val="autoZero"/>
         <c:auto val="1"/>
         <c:lblAlgn val="ctr"/>
@@ -379,7 +379,7 @@
         <c:noMultiLvlLbl val="0"/>
       </c:catAx>
       <c:valAx>
-        <c:axId val="467083648"/>
+        <c:axId val="276235680"/>
         <c:scaling>
           <c:orientation val="minMax"/>
         </c:scaling>
@@ -403,7 +403,7 @@
         <c:majorTickMark val="none"/>
         <c:minorTickMark val="none"/>
         <c:tickLblPos val="nextTo"/>
-        <c:crossAx val="467081408"/>
+        <c:crossAx val="276235120"/>
         <c:crosses val="autoZero"/>
         <c:crossBetween val="between"/>
       </c:valAx>
@@ -2888,6 +2888,13 @@
         </dgm:presLayoutVars>
       </dgm:prSet>
       <dgm:spPr/>
+      <dgm:t>
+        <a:bodyPr/>
+        <a:lstStyle/>
+        <a:p>
+          <a:endParaRPr lang="zh-CN" altLang="en-US"/>
+        </a:p>
+      </dgm:t>
     </dgm:pt>
     <dgm:pt modelId="{AEEF13ED-8959-4AF4-87F7-729F39D17A1D}" type="pres">
       <dgm:prSet presAssocID="{6EA02C6B-BFE7-4561-A40A-69E7BCDBE4C0}" presName="composite" presStyleCnt="0"/>
@@ -2901,6 +2908,13 @@
         </dgm:presLayoutVars>
       </dgm:prSet>
       <dgm:spPr/>
+      <dgm:t>
+        <a:bodyPr/>
+        <a:lstStyle/>
+        <a:p>
+          <a:endParaRPr lang="zh-CN" altLang="en-US"/>
+        </a:p>
+      </dgm:t>
     </dgm:pt>
     <dgm:pt modelId="{CA36435F-B30E-4594-9BEA-58C326516775}" type="pres">
       <dgm:prSet presAssocID="{6EA02C6B-BFE7-4561-A40A-69E7BCDBE4C0}" presName="descendantText" presStyleLbl="alignAcc1" presStyleIdx="0" presStyleCnt="5" custLinFactNeighborX="3199" custLinFactNeighborY="-7810">
@@ -2933,6 +2947,13 @@
         </dgm:presLayoutVars>
       </dgm:prSet>
       <dgm:spPr/>
+      <dgm:t>
+        <a:bodyPr/>
+        <a:lstStyle/>
+        <a:p>
+          <a:endParaRPr lang="zh-CN" altLang="en-US"/>
+        </a:p>
+      </dgm:t>
     </dgm:pt>
     <dgm:pt modelId="{DF6CC95C-ED49-4987-9EAC-4334968D9AEB}" type="pres">
       <dgm:prSet presAssocID="{76F1538C-D790-4FB7-BC00-095DA75E8D38}" presName="descendantText" presStyleLbl="alignAcc1" presStyleIdx="1" presStyleCnt="5">
@@ -2965,6 +2986,13 @@
         </dgm:presLayoutVars>
       </dgm:prSet>
       <dgm:spPr/>
+      <dgm:t>
+        <a:bodyPr/>
+        <a:lstStyle/>
+        <a:p>
+          <a:endParaRPr lang="zh-CN" altLang="en-US"/>
+        </a:p>
+      </dgm:t>
     </dgm:pt>
     <dgm:pt modelId="{A3BE31BE-2B91-4CD9-B2F6-F4F24BFB2BFC}" type="pres">
       <dgm:prSet presAssocID="{0529720A-4BF9-4D2C-A28D-1BCBE33FCCC3}" presName="descendantText" presStyleLbl="alignAcc1" presStyleIdx="2" presStyleCnt="5">
@@ -2997,6 +3025,13 @@
         </dgm:presLayoutVars>
       </dgm:prSet>
       <dgm:spPr/>
+      <dgm:t>
+        <a:bodyPr/>
+        <a:lstStyle/>
+        <a:p>
+          <a:endParaRPr lang="zh-CN" altLang="en-US"/>
+        </a:p>
+      </dgm:t>
     </dgm:pt>
     <dgm:pt modelId="{49131F78-A90B-44AB-A8C4-BB823EC299AB}" type="pres">
       <dgm:prSet presAssocID="{DDF0027E-1430-43FF-8181-EDBFB1BFFAD6}" presName="descendantText" presStyleLbl="alignAcc1" presStyleIdx="3" presStyleCnt="5">
@@ -3029,6 +3064,13 @@
         </dgm:presLayoutVars>
       </dgm:prSet>
       <dgm:spPr/>
+      <dgm:t>
+        <a:bodyPr/>
+        <a:lstStyle/>
+        <a:p>
+          <a:endParaRPr lang="zh-CN" altLang="en-US"/>
+        </a:p>
+      </dgm:t>
     </dgm:pt>
     <dgm:pt modelId="{10325B9F-1383-4E37-A0D5-D901B5912EF4}" type="pres">
       <dgm:prSet presAssocID="{FEE77971-EB0C-4304-A746-8426F6BBCBBD}" presName="descendantText" presStyleLbl="alignAcc1" presStyleIdx="4" presStyleCnt="5">
@@ -3037,30 +3079,37 @@
         </dgm:presLayoutVars>
       </dgm:prSet>
       <dgm:spPr/>
+      <dgm:t>
+        <a:bodyPr/>
+        <a:lstStyle/>
+        <a:p>
+          <a:endParaRPr lang="zh-CN" altLang="en-US"/>
+        </a:p>
+      </dgm:t>
     </dgm:pt>
   </dgm:ptLst>
   <dgm:cxnLst>
-    <dgm:cxn modelId="{77C799E9-2266-4592-B613-C2C0AC20670D}" srcId="{6EA02C6B-BFE7-4561-A40A-69E7BCDBE4C0}" destId="{411FCCCF-3ADA-44A0-8218-159AA077585F}" srcOrd="0" destOrd="0" parTransId="{47CE5F4E-C967-474C-ACF3-06DC45FF9F37}" sibTransId="{273308F7-63F5-464C-BE78-D50E3B47D58E}"/>
-    <dgm:cxn modelId="{816E22A5-254F-40B3-9669-48DEE522FB1E}" type="presOf" srcId="{5EFDDD2B-2A54-4628-96AE-016CC9672576}" destId="{10325B9F-1383-4E37-A0D5-D901B5912EF4}" srcOrd="0" destOrd="0" presId="urn:microsoft.com/office/officeart/2005/8/layout/chevron2"/>
+    <dgm:cxn modelId="{5E9425EB-F22B-4CC7-A0C4-231103866CE1}" type="presOf" srcId="{FEE77971-EB0C-4304-A746-8426F6BBCBBD}" destId="{9CEB7FC0-C516-42DD-B485-37297C48C1E1}" srcOrd="0" destOrd="0" presId="urn:microsoft.com/office/officeart/2005/8/layout/chevron2"/>
+    <dgm:cxn modelId="{04EA3DA5-3AC0-4D95-8E39-7B004108F142}" srcId="{76F1538C-D790-4FB7-BC00-095DA75E8D38}" destId="{1A028DC6-1556-4C0E-9B3F-027B618EBD57}" srcOrd="0" destOrd="0" parTransId="{8164AE50-92AA-4245-AD62-52C4030E70B2}" sibTransId="{AE997092-8C00-4E8F-A263-5930C93B675F}"/>
+    <dgm:cxn modelId="{4B75990E-A957-49FF-B2E7-7232F7E4280A}" srcId="{2441740F-48EE-419B-8967-527C106B9C87}" destId="{76F1538C-D790-4FB7-BC00-095DA75E8D38}" srcOrd="1" destOrd="0" parTransId="{0E78A4CC-63FD-41F9-B10C-99D6E2AB3C47}" sibTransId="{1C54AEB5-CA4D-4B73-B090-CF3E7678A23E}"/>
     <dgm:cxn modelId="{690DF6A9-7906-4ECE-AEB9-083C3BFED552}" type="presOf" srcId="{411FCCCF-3ADA-44A0-8218-159AA077585F}" destId="{CA36435F-B30E-4594-9BEA-58C326516775}" srcOrd="0" destOrd="0" presId="urn:microsoft.com/office/officeart/2005/8/layout/chevron2"/>
-    <dgm:cxn modelId="{478D33FD-2909-40AD-BED5-3F570A5784C1}" type="presOf" srcId="{6EA02C6B-BFE7-4561-A40A-69E7BCDBE4C0}" destId="{F02CD480-8580-4BF6-9872-A0E85484283E}" srcOrd="0" destOrd="0" presId="urn:microsoft.com/office/officeart/2005/8/layout/chevron2"/>
     <dgm:cxn modelId="{61C13097-2B74-4E02-AAAE-E24A74947AAB}" srcId="{DDF0027E-1430-43FF-8181-EDBFB1BFFAD6}" destId="{570DC351-8345-48D8-989E-F93CE84CF52A}" srcOrd="0" destOrd="0" parTransId="{E2F61DAA-B6AD-4692-B57F-29BFF35A1E0A}" sibTransId="{6B2CF869-4EFA-4E7D-9CBF-919AC4589C2F}"/>
-    <dgm:cxn modelId="{82B1E4CD-768C-45F0-B17C-58A337A510C7}" srcId="{2441740F-48EE-419B-8967-527C106B9C87}" destId="{DDF0027E-1430-43FF-8181-EDBFB1BFFAD6}" srcOrd="3" destOrd="0" parTransId="{2060035D-8EEB-4019-A162-BD274F1C2ED0}" sibTransId="{D1A2D444-36D5-450D-982E-AABB81008BDE}"/>
+    <dgm:cxn modelId="{51B24ADE-F3A8-4B68-A9DA-711C5E5814C9}" type="presOf" srcId="{0529720A-4BF9-4D2C-A28D-1BCBE33FCCC3}" destId="{9664A227-06CE-40E1-8108-D5FB9CEA1554}" srcOrd="0" destOrd="0" presId="urn:microsoft.com/office/officeart/2005/8/layout/chevron2"/>
     <dgm:cxn modelId="{96BD9CD1-EB1D-47A9-9A3F-140810C497F0}" srcId="{2441740F-48EE-419B-8967-527C106B9C87}" destId="{0529720A-4BF9-4D2C-A28D-1BCBE33FCCC3}" srcOrd="2" destOrd="0" parTransId="{83684805-B50F-4EA1-8772-B8AD4F7D598E}" sibTransId="{479DA916-72A9-44DE-AE4F-08471EAE5B92}"/>
     <dgm:cxn modelId="{668ADBF1-9A65-483E-A9F1-D4676DAA7A53}" type="presOf" srcId="{570DC351-8345-48D8-989E-F93CE84CF52A}" destId="{49131F78-A90B-44AB-A8C4-BB823EC299AB}" srcOrd="0" destOrd="0" presId="urn:microsoft.com/office/officeart/2005/8/layout/chevron2"/>
-    <dgm:cxn modelId="{4B75990E-A957-49FF-B2E7-7232F7E4280A}" srcId="{2441740F-48EE-419B-8967-527C106B9C87}" destId="{76F1538C-D790-4FB7-BC00-095DA75E8D38}" srcOrd="1" destOrd="0" parTransId="{0E78A4CC-63FD-41F9-B10C-99D6E2AB3C47}" sibTransId="{1C54AEB5-CA4D-4B73-B090-CF3E7678A23E}"/>
-    <dgm:cxn modelId="{04EA3DA5-3AC0-4D95-8E39-7B004108F142}" srcId="{76F1538C-D790-4FB7-BC00-095DA75E8D38}" destId="{1A028DC6-1556-4C0E-9B3F-027B618EBD57}" srcOrd="0" destOrd="0" parTransId="{8164AE50-92AA-4245-AD62-52C4030E70B2}" sibTransId="{AE997092-8C00-4E8F-A263-5930C93B675F}"/>
-    <dgm:cxn modelId="{C5B525BA-5DD4-4509-808E-90EB8E24730D}" srcId="{2441740F-48EE-419B-8967-527C106B9C87}" destId="{6EA02C6B-BFE7-4561-A40A-69E7BCDBE4C0}" srcOrd="0" destOrd="0" parTransId="{E0D5F438-B4AA-442E-AF33-23C39F22D3D8}" sibTransId="{9E682B19-DFA8-4B08-8BAB-A059F156D348}"/>
-    <dgm:cxn modelId="{EB3A9025-0362-4629-87D6-1CF793CCD556}" srcId="{FEE77971-EB0C-4304-A746-8426F6BBCBBD}" destId="{5EFDDD2B-2A54-4628-96AE-016CC9672576}" srcOrd="0" destOrd="0" parTransId="{6316093B-5718-4066-8049-D7BA17EAA774}" sibTransId="{9E4047F9-96B2-4F36-9E14-94C93690E8AA}"/>
-    <dgm:cxn modelId="{5E9425EB-F22B-4CC7-A0C4-231103866CE1}" type="presOf" srcId="{FEE77971-EB0C-4304-A746-8426F6BBCBBD}" destId="{9CEB7FC0-C516-42DD-B485-37297C48C1E1}" srcOrd="0" destOrd="0" presId="urn:microsoft.com/office/officeart/2005/8/layout/chevron2"/>
-    <dgm:cxn modelId="{59D15858-8ABF-429D-9DC9-85F49FC9FC3F}" type="presOf" srcId="{DDF0027E-1430-43FF-8181-EDBFB1BFFAD6}" destId="{775CDF18-C019-4FD4-815D-AA59A60E9076}" srcOrd="0" destOrd="0" presId="urn:microsoft.com/office/officeart/2005/8/layout/chevron2"/>
+    <dgm:cxn modelId="{478D33FD-2909-40AD-BED5-3F570A5784C1}" type="presOf" srcId="{6EA02C6B-BFE7-4561-A40A-69E7BCDBE4C0}" destId="{F02CD480-8580-4BF6-9872-A0E85484283E}" srcOrd="0" destOrd="0" presId="urn:microsoft.com/office/officeart/2005/8/layout/chevron2"/>
+    <dgm:cxn modelId="{82B1E4CD-768C-45F0-B17C-58A337A510C7}" srcId="{2441740F-48EE-419B-8967-527C106B9C87}" destId="{DDF0027E-1430-43FF-8181-EDBFB1BFFAD6}" srcOrd="3" destOrd="0" parTransId="{2060035D-8EEB-4019-A162-BD274F1C2ED0}" sibTransId="{D1A2D444-36D5-450D-982E-AABB81008BDE}"/>
+    <dgm:cxn modelId="{816E22A5-254F-40B3-9669-48DEE522FB1E}" type="presOf" srcId="{5EFDDD2B-2A54-4628-96AE-016CC9672576}" destId="{10325B9F-1383-4E37-A0D5-D901B5912EF4}" srcOrd="0" destOrd="0" presId="urn:microsoft.com/office/officeart/2005/8/layout/chevron2"/>
+    <dgm:cxn modelId="{FCD47300-C24E-4055-82F8-1CD722D4C851}" srcId="{2441740F-48EE-419B-8967-527C106B9C87}" destId="{FEE77971-EB0C-4304-A746-8426F6BBCBBD}" srcOrd="4" destOrd="0" parTransId="{99DBDE60-5B4B-4219-B00D-E006323E0096}" sibTransId="{7E67AE59-59A7-415A-AC52-E3589AA6081F}"/>
+    <dgm:cxn modelId="{929168AE-A6FD-47D2-9866-0FE29FE33242}" srcId="{0529720A-4BF9-4D2C-A28D-1BCBE33FCCC3}" destId="{990FF15B-8CD8-4919-A703-A714CA79A757}" srcOrd="0" destOrd="0" parTransId="{00017FEA-5439-4FCD-8F8B-D8C089DA8265}" sibTransId="{C9A39146-22D1-4693-AE4E-69E4ECD85C48}"/>
     <dgm:cxn modelId="{768492AD-608C-454B-B02E-1F7EE8F5EC30}" type="presOf" srcId="{990FF15B-8CD8-4919-A703-A714CA79A757}" destId="{A3BE31BE-2B91-4CD9-B2F6-F4F24BFB2BFC}" srcOrd="0" destOrd="0" presId="urn:microsoft.com/office/officeart/2005/8/layout/chevron2"/>
     <dgm:cxn modelId="{21097510-0C0A-421F-8DA0-422FFFAF36C4}" type="presOf" srcId="{2441740F-48EE-419B-8967-527C106B9C87}" destId="{C0FED728-B439-4801-B3A9-0F3048C6B670}" srcOrd="0" destOrd="0" presId="urn:microsoft.com/office/officeart/2005/8/layout/chevron2"/>
-    <dgm:cxn modelId="{51B24ADE-F3A8-4B68-A9DA-711C5E5814C9}" type="presOf" srcId="{0529720A-4BF9-4D2C-A28D-1BCBE33FCCC3}" destId="{9664A227-06CE-40E1-8108-D5FB9CEA1554}" srcOrd="0" destOrd="0" presId="urn:microsoft.com/office/officeart/2005/8/layout/chevron2"/>
+    <dgm:cxn modelId="{77C799E9-2266-4592-B613-C2C0AC20670D}" srcId="{6EA02C6B-BFE7-4561-A40A-69E7BCDBE4C0}" destId="{411FCCCF-3ADA-44A0-8218-159AA077585F}" srcOrd="0" destOrd="0" parTransId="{47CE5F4E-C967-474C-ACF3-06DC45FF9F37}" sibTransId="{273308F7-63F5-464C-BE78-D50E3B47D58E}"/>
+    <dgm:cxn modelId="{EA46628D-8FF0-4044-B26F-33E75EDF6737}" type="presOf" srcId="{76F1538C-D790-4FB7-BC00-095DA75E8D38}" destId="{53911DAB-AFDE-4F3B-97C3-05FBEAA152C6}" srcOrd="0" destOrd="0" presId="urn:microsoft.com/office/officeart/2005/8/layout/chevron2"/>
+    <dgm:cxn modelId="{C5B525BA-5DD4-4509-808E-90EB8E24730D}" srcId="{2441740F-48EE-419B-8967-527C106B9C87}" destId="{6EA02C6B-BFE7-4561-A40A-69E7BCDBE4C0}" srcOrd="0" destOrd="0" parTransId="{E0D5F438-B4AA-442E-AF33-23C39F22D3D8}" sibTransId="{9E682B19-DFA8-4B08-8BAB-A059F156D348}"/>
+    <dgm:cxn modelId="{59D15858-8ABF-429D-9DC9-85F49FC9FC3F}" type="presOf" srcId="{DDF0027E-1430-43FF-8181-EDBFB1BFFAD6}" destId="{775CDF18-C019-4FD4-815D-AA59A60E9076}" srcOrd="0" destOrd="0" presId="urn:microsoft.com/office/officeart/2005/8/layout/chevron2"/>
     <dgm:cxn modelId="{90844F01-8D61-470F-BEFF-9167F8278785}" type="presOf" srcId="{1A028DC6-1556-4C0E-9B3F-027B618EBD57}" destId="{DF6CC95C-ED49-4987-9EAC-4334968D9AEB}" srcOrd="0" destOrd="0" presId="urn:microsoft.com/office/officeart/2005/8/layout/chevron2"/>
-    <dgm:cxn modelId="{FCD47300-C24E-4055-82F8-1CD722D4C851}" srcId="{2441740F-48EE-419B-8967-527C106B9C87}" destId="{FEE77971-EB0C-4304-A746-8426F6BBCBBD}" srcOrd="4" destOrd="0" parTransId="{99DBDE60-5B4B-4219-B00D-E006323E0096}" sibTransId="{7E67AE59-59A7-415A-AC52-E3589AA6081F}"/>
-    <dgm:cxn modelId="{EA46628D-8FF0-4044-B26F-33E75EDF6737}" type="presOf" srcId="{76F1538C-D790-4FB7-BC00-095DA75E8D38}" destId="{53911DAB-AFDE-4F3B-97C3-05FBEAA152C6}" srcOrd="0" destOrd="0" presId="urn:microsoft.com/office/officeart/2005/8/layout/chevron2"/>
-    <dgm:cxn modelId="{929168AE-A6FD-47D2-9866-0FE29FE33242}" srcId="{0529720A-4BF9-4D2C-A28D-1BCBE33FCCC3}" destId="{990FF15B-8CD8-4919-A703-A714CA79A757}" srcOrd="0" destOrd="0" parTransId="{00017FEA-5439-4FCD-8F8B-D8C089DA8265}" sibTransId="{C9A39146-22D1-4693-AE4E-69E4ECD85C48}"/>
+    <dgm:cxn modelId="{EB3A9025-0362-4629-87D6-1CF793CCD556}" srcId="{FEE77971-EB0C-4304-A746-8426F6BBCBBD}" destId="{5EFDDD2B-2A54-4628-96AE-016CC9672576}" srcOrd="0" destOrd="0" parTransId="{6316093B-5718-4066-8049-D7BA17EAA774}" sibTransId="{9E4047F9-96B2-4F36-9E14-94C93690E8AA}"/>
     <dgm:cxn modelId="{D66BCA4B-C6BF-49B3-8FB1-7028B1A3518B}" type="presParOf" srcId="{C0FED728-B439-4801-B3A9-0F3048C6B670}" destId="{AEEF13ED-8959-4AF4-87F7-729F39D17A1D}" srcOrd="0" destOrd="0" presId="urn:microsoft.com/office/officeart/2005/8/layout/chevron2"/>
     <dgm:cxn modelId="{FC3A237D-86A1-43CF-9309-9B601F420765}" type="presParOf" srcId="{AEEF13ED-8959-4AF4-87F7-729F39D17A1D}" destId="{F02CD480-8580-4BF6-9872-A0E85484283E}" srcOrd="0" destOrd="0" presId="urn:microsoft.com/office/officeart/2005/8/layout/chevron2"/>
     <dgm:cxn modelId="{B55F6E4B-4D57-4405-80B7-BE00E4209A38}" type="presParOf" srcId="{AEEF13ED-8959-4AF4-87F7-729F39D17A1D}" destId="{CA36435F-B30E-4594-9BEA-58C326516775}" srcOrd="1" destOrd="0" presId="urn:microsoft.com/office/officeart/2005/8/layout/chevron2"/>
@@ -3356,6 +3405,13 @@
         </dgm:presLayoutVars>
       </dgm:prSet>
       <dgm:spPr/>
+      <dgm:t>
+        <a:bodyPr/>
+        <a:lstStyle/>
+        <a:p>
+          <a:endParaRPr lang="zh-CN" altLang="en-US"/>
+        </a:p>
+      </dgm:t>
     </dgm:pt>
     <dgm:pt modelId="{CEF4902F-0AAC-4A44-8B06-A99926ED2A72}" type="pres">
       <dgm:prSet presAssocID="{4115BFAA-A5F9-4279-8977-CC106AD6F221}" presName="composite" presStyleCnt="0"/>
@@ -3370,6 +3426,13 @@
         </dgm:presLayoutVars>
       </dgm:prSet>
       <dgm:spPr/>
+      <dgm:t>
+        <a:bodyPr/>
+        <a:lstStyle/>
+        <a:p>
+          <a:endParaRPr lang="zh-CN" altLang="en-US"/>
+        </a:p>
+      </dgm:t>
     </dgm:pt>
     <dgm:pt modelId="{1129B4FB-3E07-4CF1-9D59-17B1E9052DC8}" type="pres">
       <dgm:prSet presAssocID="{4115BFAA-A5F9-4279-8977-CC106AD6F221}" presName="desTx" presStyleLbl="alignAccFollowNode1" presStyleIdx="0" presStyleCnt="3">
@@ -3403,6 +3466,13 @@
         </dgm:presLayoutVars>
       </dgm:prSet>
       <dgm:spPr/>
+      <dgm:t>
+        <a:bodyPr/>
+        <a:lstStyle/>
+        <a:p>
+          <a:endParaRPr lang="zh-CN" altLang="en-US"/>
+        </a:p>
+      </dgm:t>
     </dgm:pt>
     <dgm:pt modelId="{0CAEF32D-0FDB-4669-8155-1DBC3664D966}" type="pres">
       <dgm:prSet presAssocID="{A0C89009-BFE5-46A2-AB2D-5564BEF4EDE2}" presName="desTx" presStyleLbl="alignAccFollowNode1" presStyleIdx="1" presStyleCnt="3">
@@ -3461,19 +3531,19 @@
     </dgm:pt>
   </dgm:ptLst>
   <dgm:cxnLst>
+    <dgm:cxn modelId="{27F6036B-B82B-4383-9163-DE2DC928F531}" type="presOf" srcId="{4115BFAA-A5F9-4279-8977-CC106AD6F221}" destId="{235E73B3-89E1-4157-9309-C6D460490DF7}" srcOrd="0" destOrd="0" presId="urn:microsoft.com/office/officeart/2005/8/layout/hList1"/>
+    <dgm:cxn modelId="{1DC5AEBA-F721-48CC-9126-B23D097F4B20}" srcId="{BABBC95D-08D9-4682-ADE4-66A12309B9C6}" destId="{7BF5B527-0EBF-46EC-A22D-1A59D19E7E00}" srcOrd="0" destOrd="0" parTransId="{FC54A403-A8BC-40BD-8D62-AD4F02EB97EB}" sibTransId="{61F7F4A9-217F-450F-9D8C-121221CA5B9E}"/>
+    <dgm:cxn modelId="{F3AE857D-84AB-46F3-A483-8D810012F814}" srcId="{A0C89009-BFE5-46A2-AB2D-5564BEF4EDE2}" destId="{6A3DCB78-59D6-4222-9DD1-035AEEDE2FB8}" srcOrd="0" destOrd="0" parTransId="{4E15E8AD-1765-483D-A7DF-F801B6908C99}" sibTransId="{2E779B39-6527-4232-807E-501B67218CCE}"/>
     <dgm:cxn modelId="{47139999-0E37-4BE8-89DD-F4EE47B13AC3}" srcId="{2AC76DFF-77C5-4A64-B579-88ED229DF9B5}" destId="{4115BFAA-A5F9-4279-8977-CC106AD6F221}" srcOrd="0" destOrd="0" parTransId="{CA190E17-2807-4187-9829-CC9597E5F2C8}" sibTransId="{F41E590B-E3B3-4324-A150-F2DBCA30E47F}"/>
-    <dgm:cxn modelId="{1DC5AEBA-F721-48CC-9126-B23D097F4B20}" srcId="{BABBC95D-08D9-4682-ADE4-66A12309B9C6}" destId="{7BF5B527-0EBF-46EC-A22D-1A59D19E7E00}" srcOrd="0" destOrd="0" parTransId="{FC54A403-A8BC-40BD-8D62-AD4F02EB97EB}" sibTransId="{61F7F4A9-217F-450F-9D8C-121221CA5B9E}"/>
+    <dgm:cxn modelId="{E3A8CFAA-4D24-4AD2-A6D9-0E04206F17F2}" type="presOf" srcId="{BABBC95D-08D9-4682-ADE4-66A12309B9C6}" destId="{620EB8DC-2AA3-42CD-97C5-AF5EE46D38C4}" srcOrd="0" destOrd="0" presId="urn:microsoft.com/office/officeart/2005/8/layout/hList1"/>
+    <dgm:cxn modelId="{1CF67EA7-E926-444E-A7DD-63D3CBC18E87}" srcId="{2AC76DFF-77C5-4A64-B579-88ED229DF9B5}" destId="{A0C89009-BFE5-46A2-AB2D-5564BEF4EDE2}" srcOrd="1" destOrd="0" parTransId="{223FD4D0-3544-4EC6-9880-0FBFF8EB3691}" sibTransId="{71F9F749-6021-4AE3-8FF6-894743774583}"/>
+    <dgm:cxn modelId="{3CF3F858-F32A-4414-9246-4D7F7513FF30}" type="presOf" srcId="{2AC76DFF-77C5-4A64-B579-88ED229DF9B5}" destId="{8E4000F2-A57F-4027-9FB9-AC1A7E2E1555}" srcOrd="0" destOrd="0" presId="urn:microsoft.com/office/officeart/2005/8/layout/hList1"/>
+    <dgm:cxn modelId="{17032E7C-46CD-4382-B85B-A2AE4688F4D2}" srcId="{2AC76DFF-77C5-4A64-B579-88ED229DF9B5}" destId="{BABBC95D-08D9-4682-ADE4-66A12309B9C6}" srcOrd="2" destOrd="0" parTransId="{7F992837-4EF8-45AD-B88D-A965C995DC76}" sibTransId="{3F4ECAA4-9861-4FED-9540-7D56A570CA08}"/>
+    <dgm:cxn modelId="{6298BEC4-3A9D-4E17-B8E4-6E383C5CD717}" type="presOf" srcId="{53809AC9-8875-4D46-B2BE-BD340E8D289B}" destId="{1129B4FB-3E07-4CF1-9D59-17B1E9052DC8}" srcOrd="0" destOrd="0" presId="urn:microsoft.com/office/officeart/2005/8/layout/hList1"/>
+    <dgm:cxn modelId="{32611176-F78F-4C5C-B3F2-7E667EB07ABE}" srcId="{4115BFAA-A5F9-4279-8977-CC106AD6F221}" destId="{53809AC9-8875-4D46-B2BE-BD340E8D289B}" srcOrd="0" destOrd="0" parTransId="{07E76A7F-5039-4C6E-A736-3A014301F8C2}" sibTransId="{42607032-11E8-4644-9E09-0650FFA9CA19}"/>
     <dgm:cxn modelId="{9246B66A-3AAF-401C-857B-097E829032CC}" type="presOf" srcId="{A0C89009-BFE5-46A2-AB2D-5564BEF4EDE2}" destId="{7DF378FC-AE87-4D35-9BFE-FC9ED5C24601}" srcOrd="0" destOrd="0" presId="urn:microsoft.com/office/officeart/2005/8/layout/hList1"/>
     <dgm:cxn modelId="{699E5C46-5D51-4E12-B9D0-F3B926E451EB}" type="presOf" srcId="{6A3DCB78-59D6-4222-9DD1-035AEEDE2FB8}" destId="{0CAEF32D-0FDB-4669-8155-1DBC3664D966}" srcOrd="0" destOrd="0" presId="urn:microsoft.com/office/officeart/2005/8/layout/hList1"/>
-    <dgm:cxn modelId="{6298BEC4-3A9D-4E17-B8E4-6E383C5CD717}" type="presOf" srcId="{53809AC9-8875-4D46-B2BE-BD340E8D289B}" destId="{1129B4FB-3E07-4CF1-9D59-17B1E9052DC8}" srcOrd="0" destOrd="0" presId="urn:microsoft.com/office/officeart/2005/8/layout/hList1"/>
-    <dgm:cxn modelId="{32611176-F78F-4C5C-B3F2-7E667EB07ABE}" srcId="{4115BFAA-A5F9-4279-8977-CC106AD6F221}" destId="{53809AC9-8875-4D46-B2BE-BD340E8D289B}" srcOrd="0" destOrd="0" parTransId="{07E76A7F-5039-4C6E-A736-3A014301F8C2}" sibTransId="{42607032-11E8-4644-9E09-0650FFA9CA19}"/>
     <dgm:cxn modelId="{E13968AF-3562-4214-8CF5-829C0079A1E5}" type="presOf" srcId="{7BF5B527-0EBF-46EC-A22D-1A59D19E7E00}" destId="{3CEC7E48-248E-4D29-B01F-F2B62D753AA7}" srcOrd="0" destOrd="0" presId="urn:microsoft.com/office/officeart/2005/8/layout/hList1"/>
-    <dgm:cxn modelId="{1CF67EA7-E926-444E-A7DD-63D3CBC18E87}" srcId="{2AC76DFF-77C5-4A64-B579-88ED229DF9B5}" destId="{A0C89009-BFE5-46A2-AB2D-5564BEF4EDE2}" srcOrd="1" destOrd="0" parTransId="{223FD4D0-3544-4EC6-9880-0FBFF8EB3691}" sibTransId="{71F9F749-6021-4AE3-8FF6-894743774583}"/>
-    <dgm:cxn modelId="{F3AE857D-84AB-46F3-A483-8D810012F814}" srcId="{A0C89009-BFE5-46A2-AB2D-5564BEF4EDE2}" destId="{6A3DCB78-59D6-4222-9DD1-035AEEDE2FB8}" srcOrd="0" destOrd="0" parTransId="{4E15E8AD-1765-483D-A7DF-F801B6908C99}" sibTransId="{2E779B39-6527-4232-807E-501B67218CCE}"/>
-    <dgm:cxn modelId="{E3A8CFAA-4D24-4AD2-A6D9-0E04206F17F2}" type="presOf" srcId="{BABBC95D-08D9-4682-ADE4-66A12309B9C6}" destId="{620EB8DC-2AA3-42CD-97C5-AF5EE46D38C4}" srcOrd="0" destOrd="0" presId="urn:microsoft.com/office/officeart/2005/8/layout/hList1"/>
-    <dgm:cxn modelId="{17032E7C-46CD-4382-B85B-A2AE4688F4D2}" srcId="{2AC76DFF-77C5-4A64-B579-88ED229DF9B5}" destId="{BABBC95D-08D9-4682-ADE4-66A12309B9C6}" srcOrd="2" destOrd="0" parTransId="{7F992837-4EF8-45AD-B88D-A965C995DC76}" sibTransId="{3F4ECAA4-9861-4FED-9540-7D56A570CA08}"/>
-    <dgm:cxn modelId="{3CF3F858-F32A-4414-9246-4D7F7513FF30}" type="presOf" srcId="{2AC76DFF-77C5-4A64-B579-88ED229DF9B5}" destId="{8E4000F2-A57F-4027-9FB9-AC1A7E2E1555}" srcOrd="0" destOrd="0" presId="urn:microsoft.com/office/officeart/2005/8/layout/hList1"/>
-    <dgm:cxn modelId="{27F6036B-B82B-4383-9163-DE2DC928F531}" type="presOf" srcId="{4115BFAA-A5F9-4279-8977-CC106AD6F221}" destId="{235E73B3-89E1-4157-9309-C6D460490DF7}" srcOrd="0" destOrd="0" presId="urn:microsoft.com/office/officeart/2005/8/layout/hList1"/>
     <dgm:cxn modelId="{D7637E5D-F8C3-415C-8D1B-29D68BD9469A}" type="presParOf" srcId="{8E4000F2-A57F-4027-9FB9-AC1A7E2E1555}" destId="{CEF4902F-0AAC-4A44-8B06-A99926ED2A72}" srcOrd="0" destOrd="0" presId="urn:microsoft.com/office/officeart/2005/8/layout/hList1"/>
     <dgm:cxn modelId="{FBE8712A-2307-4307-8518-ED601B60E0D5}" type="presParOf" srcId="{CEF4902F-0AAC-4A44-8B06-A99926ED2A72}" destId="{235E73B3-89E1-4157-9309-C6D460490DF7}" srcOrd="0" destOrd="0" presId="urn:microsoft.com/office/officeart/2005/8/layout/hList1"/>
     <dgm:cxn modelId="{C00612F1-4DE5-4EF0-AA31-BAC02194CDD2}" type="presParOf" srcId="{CEF4902F-0AAC-4A44-8B06-A99926ED2A72}" destId="{1129B4FB-3E07-4CF1-9D59-17B1E9052DC8}" srcOrd="1" destOrd="0" presId="urn:microsoft.com/office/officeart/2005/8/layout/hList1"/>
@@ -3504,794 +3574,6 @@
       <dsp:cNvGrpSpPr/>
     </dsp:nvGrpSpPr>
     <dsp:grpSpPr/>
-    <dsp:sp modelId="{F02CD480-8580-4BF6-9872-A0E85484283E}">
-      <dsp:nvSpPr>
-        <dsp:cNvPr id="0" name=""/>
-        <dsp:cNvSpPr/>
-      </dsp:nvSpPr>
-      <dsp:spPr>
-        <a:xfrm rot="5400000">
-          <a:off x="-156603" y="157684"/>
-          <a:ext cx="1044022" cy="730815"/>
-        </a:xfrm>
-        <a:prstGeom prst="chevron">
-          <a:avLst/>
-        </a:prstGeom>
-        <a:solidFill>
-          <a:schemeClr val="dk2">
-            <a:hueOff val="0"/>
-            <a:satOff val="0"/>
-            <a:lumOff val="0"/>
-            <a:alphaOff val="0"/>
-          </a:schemeClr>
-        </a:solidFill>
-        <a:ln w="12700" cap="flat" cmpd="sng" algn="ctr">
-          <a:solidFill>
-            <a:schemeClr val="dk2">
-              <a:hueOff val="0"/>
-              <a:satOff val="0"/>
-              <a:lumOff val="0"/>
-              <a:alphaOff val="0"/>
-            </a:schemeClr>
-          </a:solidFill>
-          <a:prstDash val="solid"/>
-          <a:miter lim="800000"/>
-        </a:ln>
-        <a:effectLst/>
-      </dsp:spPr>
-      <dsp:style>
-        <a:lnRef idx="2">
-          <a:scrgbClr r="0" g="0" b="0"/>
-        </a:lnRef>
-        <a:fillRef idx="1">
-          <a:scrgbClr r="0" g="0" b="0"/>
-        </a:fillRef>
-        <a:effectRef idx="0">
-          <a:scrgbClr r="0" g="0" b="0"/>
-        </a:effectRef>
-        <a:fontRef idx="minor">
-          <a:schemeClr val="lt1"/>
-        </a:fontRef>
-      </dsp:style>
-      <dsp:txBody>
-        <a:bodyPr spcFirstLastPara="0" vert="horz" wrap="square" lIns="8890" tIns="8890" rIns="8890" bIns="8890" numCol="1" spcCol="1270" anchor="ctr" anchorCtr="0">
-          <a:noAutofit/>
-        </a:bodyPr>
-        <a:lstStyle/>
-        <a:p>
-          <a:pPr lvl="0" algn="ctr" defTabSz="622300">
-            <a:lnSpc>
-              <a:spcPct val="90000"/>
-            </a:lnSpc>
-            <a:spcBef>
-              <a:spcPct val="0"/>
-            </a:spcBef>
-            <a:spcAft>
-              <a:spcPct val="35000"/>
-            </a:spcAft>
-          </a:pPr>
-          <a:r>
-            <a:rPr lang="zh-CN" altLang="en-US" sz="1400" kern="1200" dirty="0" smtClean="0"/>
-            <a:t>梳理</a:t>
-          </a:r>
-          <a:endParaRPr lang="zh-CN" altLang="en-US" sz="1400" kern="1200" dirty="0"/>
-        </a:p>
-      </dsp:txBody>
-      <dsp:txXfrm rot="-5400000">
-        <a:off x="1" y="366489"/>
-        <a:ext cx="730815" cy="313207"/>
-      </dsp:txXfrm>
-    </dsp:sp>
-    <dsp:sp modelId="{CA36435F-B30E-4594-9BEA-58C326516775}">
-      <dsp:nvSpPr>
-        <dsp:cNvPr id="0" name=""/>
-        <dsp:cNvSpPr/>
-      </dsp:nvSpPr>
-      <dsp:spPr>
-        <a:xfrm rot="5400000">
-          <a:off x="2795888" y="-2065072"/>
-          <a:ext cx="678614" cy="4808759"/>
-        </a:xfrm>
-        <a:prstGeom prst="round2SameRect">
-          <a:avLst/>
-        </a:prstGeom>
-        <a:solidFill>
-          <a:schemeClr val="lt2">
-            <a:alpha val="90000"/>
-            <a:hueOff val="0"/>
-            <a:satOff val="0"/>
-            <a:lumOff val="0"/>
-            <a:alphaOff val="0"/>
-          </a:schemeClr>
-        </a:solidFill>
-        <a:ln w="12700" cap="flat" cmpd="sng" algn="ctr">
-          <a:solidFill>
-            <a:schemeClr val="dk2">
-              <a:hueOff val="0"/>
-              <a:satOff val="0"/>
-              <a:lumOff val="0"/>
-              <a:alphaOff val="0"/>
-            </a:schemeClr>
-          </a:solidFill>
-          <a:prstDash val="solid"/>
-          <a:miter lim="800000"/>
-        </a:ln>
-        <a:effectLst/>
-      </dsp:spPr>
-      <dsp:style>
-        <a:lnRef idx="2">
-          <a:scrgbClr r="0" g="0" b="0"/>
-        </a:lnRef>
-        <a:fillRef idx="1">
-          <a:scrgbClr r="0" g="0" b="0"/>
-        </a:fillRef>
-        <a:effectRef idx="0">
-          <a:scrgbClr r="0" g="0" b="0"/>
-        </a:effectRef>
-        <a:fontRef idx="minor"/>
-      </dsp:style>
-      <dsp:txBody>
-        <a:bodyPr spcFirstLastPara="0" vert="horz" wrap="square" lIns="199136" tIns="17780" rIns="17780" bIns="17780" numCol="1" spcCol="1270" anchor="ctr" anchorCtr="0">
-          <a:noAutofit/>
-        </a:bodyPr>
-        <a:lstStyle/>
-        <a:p>
-          <a:pPr marL="285750" lvl="1" indent="-285750" algn="l" defTabSz="1244600">
-            <a:lnSpc>
-              <a:spcPct val="90000"/>
-            </a:lnSpc>
-            <a:spcBef>
-              <a:spcPct val="0"/>
-            </a:spcBef>
-            <a:spcAft>
-              <a:spcPct val="15000"/>
-            </a:spcAft>
-            <a:buChar char="••"/>
-          </a:pPr>
-          <a:r>
-            <a:rPr lang="zh-CN" altLang="en-US" sz="2800" kern="1200" dirty="0" smtClean="0"/>
-            <a:t>梳理</a:t>
-          </a:r>
-          <a:r>
-            <a:rPr lang="en-US" altLang="zh-CN" sz="2800" kern="1200" dirty="0" smtClean="0"/>
-            <a:t>PPT</a:t>
-          </a:r>
-          <a:r>
-            <a:rPr lang="zh-CN" altLang="en-US" sz="2800" kern="1200" dirty="0" smtClean="0"/>
-            <a:t>内容</a:t>
-          </a:r>
-          <a:endParaRPr lang="zh-CN" altLang="en-US" sz="2800" kern="1200" dirty="0"/>
-        </a:p>
-      </dsp:txBody>
-      <dsp:txXfrm rot="-5400000">
-        <a:off x="730816" y="33127"/>
-        <a:ext cx="4775632" cy="612360"/>
-      </dsp:txXfrm>
-    </dsp:sp>
-    <dsp:sp modelId="{53911DAB-AFDE-4F3B-97C3-05FBEAA152C6}">
-      <dsp:nvSpPr>
-        <dsp:cNvPr id="0" name=""/>
-        <dsp:cNvSpPr/>
-      </dsp:nvSpPr>
-      <dsp:spPr>
-        <a:xfrm rot="5400000">
-          <a:off x="-156603" y="1084003"/>
-          <a:ext cx="1044022" cy="730815"/>
-        </a:xfrm>
-        <a:prstGeom prst="chevron">
-          <a:avLst/>
-        </a:prstGeom>
-        <a:solidFill>
-          <a:schemeClr val="dk2">
-            <a:hueOff val="0"/>
-            <a:satOff val="0"/>
-            <a:lumOff val="0"/>
-            <a:alphaOff val="0"/>
-          </a:schemeClr>
-        </a:solidFill>
-        <a:ln w="12700" cap="flat" cmpd="sng" algn="ctr">
-          <a:solidFill>
-            <a:schemeClr val="dk2">
-              <a:hueOff val="0"/>
-              <a:satOff val="0"/>
-              <a:lumOff val="0"/>
-              <a:alphaOff val="0"/>
-            </a:schemeClr>
-          </a:solidFill>
-          <a:prstDash val="solid"/>
-          <a:miter lim="800000"/>
-        </a:ln>
-        <a:effectLst/>
-      </dsp:spPr>
-      <dsp:style>
-        <a:lnRef idx="2">
-          <a:scrgbClr r="0" g="0" b="0"/>
-        </a:lnRef>
-        <a:fillRef idx="1">
-          <a:scrgbClr r="0" g="0" b="0"/>
-        </a:fillRef>
-        <a:effectRef idx="0">
-          <a:scrgbClr r="0" g="0" b="0"/>
-        </a:effectRef>
-        <a:fontRef idx="minor">
-          <a:schemeClr val="lt1"/>
-        </a:fontRef>
-      </dsp:style>
-      <dsp:txBody>
-        <a:bodyPr spcFirstLastPara="0" vert="horz" wrap="square" lIns="8890" tIns="8890" rIns="8890" bIns="8890" numCol="1" spcCol="1270" anchor="ctr" anchorCtr="0">
-          <a:noAutofit/>
-        </a:bodyPr>
-        <a:lstStyle/>
-        <a:p>
-          <a:pPr lvl="0" algn="ctr" defTabSz="622300">
-            <a:lnSpc>
-              <a:spcPct val="90000"/>
-            </a:lnSpc>
-            <a:spcBef>
-              <a:spcPct val="0"/>
-            </a:spcBef>
-            <a:spcAft>
-              <a:spcPct val="35000"/>
-            </a:spcAft>
-          </a:pPr>
-          <a:r>
-            <a:rPr lang="zh-CN" altLang="en-US" sz="1400" kern="1200" dirty="0" smtClean="0"/>
-            <a:t>归类</a:t>
-          </a:r>
-          <a:endParaRPr lang="zh-CN" altLang="en-US" sz="1400" kern="1200" dirty="0"/>
-        </a:p>
-      </dsp:txBody>
-      <dsp:txXfrm rot="-5400000">
-        <a:off x="1" y="1292808"/>
-        <a:ext cx="730815" cy="313207"/>
-      </dsp:txXfrm>
-    </dsp:sp>
-    <dsp:sp modelId="{DF6CC95C-ED49-4987-9EAC-4334968D9AEB}">
-      <dsp:nvSpPr>
-        <dsp:cNvPr id="0" name=""/>
-        <dsp:cNvSpPr/>
-      </dsp:nvSpPr>
-      <dsp:spPr>
-        <a:xfrm rot="5400000">
-          <a:off x="2795888" y="-1137672"/>
-          <a:ext cx="678614" cy="4808759"/>
-        </a:xfrm>
-        <a:prstGeom prst="round2SameRect">
-          <a:avLst/>
-        </a:prstGeom>
-        <a:solidFill>
-          <a:schemeClr val="lt2">
-            <a:alpha val="90000"/>
-            <a:hueOff val="0"/>
-            <a:satOff val="0"/>
-            <a:lumOff val="0"/>
-            <a:alphaOff val="0"/>
-          </a:schemeClr>
-        </a:solidFill>
-        <a:ln w="12700" cap="flat" cmpd="sng" algn="ctr">
-          <a:solidFill>
-            <a:schemeClr val="dk2">
-              <a:hueOff val="0"/>
-              <a:satOff val="0"/>
-              <a:lumOff val="0"/>
-              <a:alphaOff val="0"/>
-            </a:schemeClr>
-          </a:solidFill>
-          <a:prstDash val="solid"/>
-          <a:miter lim="800000"/>
-        </a:ln>
-        <a:effectLst/>
-      </dsp:spPr>
-      <dsp:style>
-        <a:lnRef idx="2">
-          <a:scrgbClr r="0" g="0" b="0"/>
-        </a:lnRef>
-        <a:fillRef idx="1">
-          <a:scrgbClr r="0" g="0" b="0"/>
-        </a:fillRef>
-        <a:effectRef idx="0">
-          <a:scrgbClr r="0" g="0" b="0"/>
-        </a:effectRef>
-        <a:fontRef idx="minor"/>
-      </dsp:style>
-      <dsp:txBody>
-        <a:bodyPr spcFirstLastPara="0" vert="horz" wrap="square" lIns="199136" tIns="17780" rIns="17780" bIns="17780" numCol="1" spcCol="1270" anchor="ctr" anchorCtr="0">
-          <a:noAutofit/>
-        </a:bodyPr>
-        <a:lstStyle/>
-        <a:p>
-          <a:pPr marL="285750" lvl="1" indent="-285750" algn="l" defTabSz="1244600">
-            <a:lnSpc>
-              <a:spcPct val="90000"/>
-            </a:lnSpc>
-            <a:spcBef>
-              <a:spcPct val="0"/>
-            </a:spcBef>
-            <a:spcAft>
-              <a:spcPct val="15000"/>
-            </a:spcAft>
-            <a:buChar char="••"/>
-          </a:pPr>
-          <a:r>
-            <a:rPr lang="zh-CN" altLang="en-US" sz="2800" kern="1200" dirty="0" smtClean="0"/>
-            <a:t>分析内容整理归类</a:t>
-          </a:r>
-          <a:endParaRPr lang="zh-CN" altLang="en-US" sz="2800" kern="1200" dirty="0"/>
-        </a:p>
-      </dsp:txBody>
-      <dsp:txXfrm rot="-5400000">
-        <a:off x="730816" y="960527"/>
-        <a:ext cx="4775632" cy="612360"/>
-      </dsp:txXfrm>
-    </dsp:sp>
-    <dsp:sp modelId="{9664A227-06CE-40E1-8108-D5FB9CEA1554}">
-      <dsp:nvSpPr>
-        <dsp:cNvPr id="0" name=""/>
-        <dsp:cNvSpPr/>
-      </dsp:nvSpPr>
-      <dsp:spPr>
-        <a:xfrm rot="5400000">
-          <a:off x="-156603" y="2010322"/>
-          <a:ext cx="1044022" cy="730815"/>
-        </a:xfrm>
-        <a:prstGeom prst="chevron">
-          <a:avLst/>
-        </a:prstGeom>
-        <a:solidFill>
-          <a:schemeClr val="dk2">
-            <a:hueOff val="0"/>
-            <a:satOff val="0"/>
-            <a:lumOff val="0"/>
-            <a:alphaOff val="0"/>
-          </a:schemeClr>
-        </a:solidFill>
-        <a:ln w="12700" cap="flat" cmpd="sng" algn="ctr">
-          <a:solidFill>
-            <a:schemeClr val="dk2">
-              <a:hueOff val="0"/>
-              <a:satOff val="0"/>
-              <a:lumOff val="0"/>
-              <a:alphaOff val="0"/>
-            </a:schemeClr>
-          </a:solidFill>
-          <a:prstDash val="solid"/>
-          <a:miter lim="800000"/>
-        </a:ln>
-        <a:effectLst/>
-      </dsp:spPr>
-      <dsp:style>
-        <a:lnRef idx="2">
-          <a:scrgbClr r="0" g="0" b="0"/>
-        </a:lnRef>
-        <a:fillRef idx="1">
-          <a:scrgbClr r="0" g="0" b="0"/>
-        </a:fillRef>
-        <a:effectRef idx="0">
-          <a:scrgbClr r="0" g="0" b="0"/>
-        </a:effectRef>
-        <a:fontRef idx="minor">
-          <a:schemeClr val="lt1"/>
-        </a:fontRef>
-      </dsp:style>
-      <dsp:txBody>
-        <a:bodyPr spcFirstLastPara="0" vert="horz" wrap="square" lIns="8890" tIns="8890" rIns="8890" bIns="8890" numCol="1" spcCol="1270" anchor="ctr" anchorCtr="0">
-          <a:noAutofit/>
-        </a:bodyPr>
-        <a:lstStyle/>
-        <a:p>
-          <a:pPr lvl="0" algn="ctr" defTabSz="622300">
-            <a:lnSpc>
-              <a:spcPct val="90000"/>
-            </a:lnSpc>
-            <a:spcBef>
-              <a:spcPct val="0"/>
-            </a:spcBef>
-            <a:spcAft>
-              <a:spcPct val="35000"/>
-            </a:spcAft>
-          </a:pPr>
-          <a:r>
-            <a:rPr lang="zh-CN" altLang="en-US" sz="1400" kern="1200" dirty="0" smtClean="0"/>
-            <a:t>颜色</a:t>
-          </a:r>
-          <a:endParaRPr lang="zh-CN" altLang="en-US" sz="1400" kern="1200" dirty="0"/>
-        </a:p>
-      </dsp:txBody>
-      <dsp:txXfrm rot="-5400000">
-        <a:off x="1" y="2219127"/>
-        <a:ext cx="730815" cy="313207"/>
-      </dsp:txXfrm>
-    </dsp:sp>
-    <dsp:sp modelId="{A3BE31BE-2B91-4CD9-B2F6-F4F24BFB2BFC}">
-      <dsp:nvSpPr>
-        <dsp:cNvPr id="0" name=""/>
-        <dsp:cNvSpPr/>
-      </dsp:nvSpPr>
-      <dsp:spPr>
-        <a:xfrm rot="5400000">
-          <a:off x="2795888" y="-211353"/>
-          <a:ext cx="678614" cy="4808759"/>
-        </a:xfrm>
-        <a:prstGeom prst="round2SameRect">
-          <a:avLst/>
-        </a:prstGeom>
-        <a:solidFill>
-          <a:schemeClr val="lt2">
-            <a:alpha val="90000"/>
-            <a:hueOff val="0"/>
-            <a:satOff val="0"/>
-            <a:lumOff val="0"/>
-            <a:alphaOff val="0"/>
-          </a:schemeClr>
-        </a:solidFill>
-        <a:ln w="12700" cap="flat" cmpd="sng" algn="ctr">
-          <a:solidFill>
-            <a:schemeClr val="dk2">
-              <a:hueOff val="0"/>
-              <a:satOff val="0"/>
-              <a:lumOff val="0"/>
-              <a:alphaOff val="0"/>
-            </a:schemeClr>
-          </a:solidFill>
-          <a:prstDash val="solid"/>
-          <a:miter lim="800000"/>
-        </a:ln>
-        <a:effectLst/>
-      </dsp:spPr>
-      <dsp:style>
-        <a:lnRef idx="2">
-          <a:scrgbClr r="0" g="0" b="0"/>
-        </a:lnRef>
-        <a:fillRef idx="1">
-          <a:scrgbClr r="0" g="0" b="0"/>
-        </a:fillRef>
-        <a:effectRef idx="0">
-          <a:scrgbClr r="0" g="0" b="0"/>
-        </a:effectRef>
-        <a:fontRef idx="minor"/>
-      </dsp:style>
-      <dsp:txBody>
-        <a:bodyPr spcFirstLastPara="0" vert="horz" wrap="square" lIns="199136" tIns="17780" rIns="17780" bIns="17780" numCol="1" spcCol="1270" anchor="ctr" anchorCtr="0">
-          <a:noAutofit/>
-        </a:bodyPr>
-        <a:lstStyle/>
-        <a:p>
-          <a:pPr marL="285750" lvl="1" indent="-285750" algn="l" defTabSz="1244600">
-            <a:lnSpc>
-              <a:spcPct val="90000"/>
-            </a:lnSpc>
-            <a:spcBef>
-              <a:spcPct val="0"/>
-            </a:spcBef>
-            <a:spcAft>
-              <a:spcPct val="15000"/>
-            </a:spcAft>
-            <a:buChar char="••"/>
-          </a:pPr>
-          <a:r>
-            <a:rPr lang="zh-CN" altLang="en-US" sz="2800" kern="1200" dirty="0" smtClean="0"/>
-            <a:t>选用合理颜色搭配</a:t>
-          </a:r>
-          <a:endParaRPr lang="zh-CN" altLang="en-US" sz="2800" kern="1200" dirty="0"/>
-        </a:p>
-      </dsp:txBody>
-      <dsp:txXfrm rot="-5400000">
-        <a:off x="730816" y="1886846"/>
-        <a:ext cx="4775632" cy="612360"/>
-      </dsp:txXfrm>
-    </dsp:sp>
-    <dsp:sp modelId="{775CDF18-C019-4FD4-815D-AA59A60E9076}">
-      <dsp:nvSpPr>
-        <dsp:cNvPr id="0" name=""/>
-        <dsp:cNvSpPr/>
-      </dsp:nvSpPr>
-      <dsp:spPr>
-        <a:xfrm rot="5400000">
-          <a:off x="-156603" y="2936641"/>
-          <a:ext cx="1044022" cy="730815"/>
-        </a:xfrm>
-        <a:prstGeom prst="chevron">
-          <a:avLst/>
-        </a:prstGeom>
-        <a:solidFill>
-          <a:schemeClr val="dk2">
-            <a:hueOff val="0"/>
-            <a:satOff val="0"/>
-            <a:lumOff val="0"/>
-            <a:alphaOff val="0"/>
-          </a:schemeClr>
-        </a:solidFill>
-        <a:ln w="12700" cap="flat" cmpd="sng" algn="ctr">
-          <a:solidFill>
-            <a:schemeClr val="dk2">
-              <a:hueOff val="0"/>
-              <a:satOff val="0"/>
-              <a:lumOff val="0"/>
-              <a:alphaOff val="0"/>
-            </a:schemeClr>
-          </a:solidFill>
-          <a:prstDash val="solid"/>
-          <a:miter lim="800000"/>
-        </a:ln>
-        <a:effectLst/>
-      </dsp:spPr>
-      <dsp:style>
-        <a:lnRef idx="2">
-          <a:scrgbClr r="0" g="0" b="0"/>
-        </a:lnRef>
-        <a:fillRef idx="1">
-          <a:scrgbClr r="0" g="0" b="0"/>
-        </a:fillRef>
-        <a:effectRef idx="0">
-          <a:scrgbClr r="0" g="0" b="0"/>
-        </a:effectRef>
-        <a:fontRef idx="minor">
-          <a:schemeClr val="lt1"/>
-        </a:fontRef>
-      </dsp:style>
-      <dsp:txBody>
-        <a:bodyPr spcFirstLastPara="0" vert="horz" wrap="square" lIns="8890" tIns="8890" rIns="8890" bIns="8890" numCol="1" spcCol="1270" anchor="ctr" anchorCtr="0">
-          <a:noAutofit/>
-        </a:bodyPr>
-        <a:lstStyle/>
-        <a:p>
-          <a:pPr lvl="0" algn="ctr" defTabSz="622300">
-            <a:lnSpc>
-              <a:spcPct val="90000"/>
-            </a:lnSpc>
-            <a:spcBef>
-              <a:spcPct val="0"/>
-            </a:spcBef>
-            <a:spcAft>
-              <a:spcPct val="35000"/>
-            </a:spcAft>
-          </a:pPr>
-          <a:r>
-            <a:rPr lang="zh-CN" altLang="en-US" sz="1400" kern="1200" dirty="0" smtClean="0"/>
-            <a:t>布局</a:t>
-          </a:r>
-          <a:endParaRPr lang="zh-CN" altLang="en-US" sz="1400" kern="1200" dirty="0"/>
-        </a:p>
-      </dsp:txBody>
-      <dsp:txXfrm rot="-5400000">
-        <a:off x="1" y="3145446"/>
-        <a:ext cx="730815" cy="313207"/>
-      </dsp:txXfrm>
-    </dsp:sp>
-    <dsp:sp modelId="{49131F78-A90B-44AB-A8C4-BB823EC299AB}">
-      <dsp:nvSpPr>
-        <dsp:cNvPr id="0" name=""/>
-        <dsp:cNvSpPr/>
-      </dsp:nvSpPr>
-      <dsp:spPr>
-        <a:xfrm rot="5400000">
-          <a:off x="2795888" y="714965"/>
-          <a:ext cx="678614" cy="4808759"/>
-        </a:xfrm>
-        <a:prstGeom prst="round2SameRect">
-          <a:avLst/>
-        </a:prstGeom>
-        <a:solidFill>
-          <a:schemeClr val="lt2">
-            <a:alpha val="90000"/>
-            <a:hueOff val="0"/>
-            <a:satOff val="0"/>
-            <a:lumOff val="0"/>
-            <a:alphaOff val="0"/>
-          </a:schemeClr>
-        </a:solidFill>
-        <a:ln w="12700" cap="flat" cmpd="sng" algn="ctr">
-          <a:solidFill>
-            <a:schemeClr val="dk2">
-              <a:hueOff val="0"/>
-              <a:satOff val="0"/>
-              <a:lumOff val="0"/>
-              <a:alphaOff val="0"/>
-            </a:schemeClr>
-          </a:solidFill>
-          <a:prstDash val="solid"/>
-          <a:miter lim="800000"/>
-        </a:ln>
-        <a:effectLst/>
-      </dsp:spPr>
-      <dsp:style>
-        <a:lnRef idx="2">
-          <a:scrgbClr r="0" g="0" b="0"/>
-        </a:lnRef>
-        <a:fillRef idx="1">
-          <a:scrgbClr r="0" g="0" b="0"/>
-        </a:fillRef>
-        <a:effectRef idx="0">
-          <a:scrgbClr r="0" g="0" b="0"/>
-        </a:effectRef>
-        <a:fontRef idx="minor"/>
-      </dsp:style>
-      <dsp:txBody>
-        <a:bodyPr spcFirstLastPara="0" vert="horz" wrap="square" lIns="199136" tIns="17780" rIns="17780" bIns="17780" numCol="1" spcCol="1270" anchor="ctr" anchorCtr="0">
-          <a:noAutofit/>
-        </a:bodyPr>
-        <a:lstStyle/>
-        <a:p>
-          <a:pPr marL="285750" lvl="1" indent="-285750" algn="l" defTabSz="1244600">
-            <a:lnSpc>
-              <a:spcPct val="90000"/>
-            </a:lnSpc>
-            <a:spcBef>
-              <a:spcPct val="0"/>
-            </a:spcBef>
-            <a:spcAft>
-              <a:spcPct val="15000"/>
-            </a:spcAft>
-            <a:buChar char="••"/>
-          </a:pPr>
-          <a:r>
-            <a:rPr lang="zh-CN" altLang="en-US" sz="2800" kern="1200" dirty="0" smtClean="0"/>
-            <a:t>设计布局</a:t>
-          </a:r>
-          <a:endParaRPr lang="zh-CN" altLang="en-US" sz="2800" kern="1200" dirty="0"/>
-        </a:p>
-      </dsp:txBody>
-      <dsp:txXfrm rot="-5400000">
-        <a:off x="730816" y="2813165"/>
-        <a:ext cx="4775632" cy="612360"/>
-      </dsp:txXfrm>
-    </dsp:sp>
-    <dsp:sp modelId="{9CEB7FC0-C516-42DD-B485-37297C48C1E1}">
-      <dsp:nvSpPr>
-        <dsp:cNvPr id="0" name=""/>
-        <dsp:cNvSpPr/>
-      </dsp:nvSpPr>
-      <dsp:spPr>
-        <a:xfrm rot="5400000">
-          <a:off x="-156603" y="3862960"/>
-          <a:ext cx="1044022" cy="730815"/>
-        </a:xfrm>
-        <a:prstGeom prst="chevron">
-          <a:avLst/>
-        </a:prstGeom>
-        <a:solidFill>
-          <a:schemeClr val="dk2">
-            <a:hueOff val="0"/>
-            <a:satOff val="0"/>
-            <a:lumOff val="0"/>
-            <a:alphaOff val="0"/>
-          </a:schemeClr>
-        </a:solidFill>
-        <a:ln w="12700" cap="flat" cmpd="sng" algn="ctr">
-          <a:solidFill>
-            <a:schemeClr val="dk2">
-              <a:hueOff val="0"/>
-              <a:satOff val="0"/>
-              <a:lumOff val="0"/>
-              <a:alphaOff val="0"/>
-            </a:schemeClr>
-          </a:solidFill>
-          <a:prstDash val="solid"/>
-          <a:miter lim="800000"/>
-        </a:ln>
-        <a:effectLst/>
-      </dsp:spPr>
-      <dsp:style>
-        <a:lnRef idx="2">
-          <a:scrgbClr r="0" g="0" b="0"/>
-        </a:lnRef>
-        <a:fillRef idx="1">
-          <a:scrgbClr r="0" g="0" b="0"/>
-        </a:fillRef>
-        <a:effectRef idx="0">
-          <a:scrgbClr r="0" g="0" b="0"/>
-        </a:effectRef>
-        <a:fontRef idx="minor">
-          <a:schemeClr val="lt1"/>
-        </a:fontRef>
-      </dsp:style>
-      <dsp:txBody>
-        <a:bodyPr spcFirstLastPara="0" vert="horz" wrap="square" lIns="8890" tIns="8890" rIns="8890" bIns="8890" numCol="1" spcCol="1270" anchor="ctr" anchorCtr="0">
-          <a:noAutofit/>
-        </a:bodyPr>
-        <a:lstStyle/>
-        <a:p>
-          <a:pPr lvl="0" algn="ctr" defTabSz="622300">
-            <a:lnSpc>
-              <a:spcPct val="90000"/>
-            </a:lnSpc>
-            <a:spcBef>
-              <a:spcPct val="0"/>
-            </a:spcBef>
-            <a:spcAft>
-              <a:spcPct val="35000"/>
-            </a:spcAft>
-          </a:pPr>
-          <a:r>
-            <a:rPr lang="zh-CN" altLang="en-US" sz="1400" kern="1200" dirty="0" smtClean="0"/>
-            <a:t>填充</a:t>
-          </a:r>
-          <a:endParaRPr lang="zh-CN" altLang="en-US" sz="1400" kern="1200" dirty="0"/>
-        </a:p>
-      </dsp:txBody>
-      <dsp:txXfrm rot="-5400000">
-        <a:off x="1" y="4071765"/>
-        <a:ext cx="730815" cy="313207"/>
-      </dsp:txXfrm>
-    </dsp:sp>
-    <dsp:sp modelId="{10325B9F-1383-4E37-A0D5-D901B5912EF4}">
-      <dsp:nvSpPr>
-        <dsp:cNvPr id="0" name=""/>
-        <dsp:cNvSpPr/>
-      </dsp:nvSpPr>
-      <dsp:spPr>
-        <a:xfrm rot="5400000">
-          <a:off x="2795888" y="1641285"/>
-          <a:ext cx="678614" cy="4808759"/>
-        </a:xfrm>
-        <a:prstGeom prst="round2SameRect">
-          <a:avLst/>
-        </a:prstGeom>
-        <a:solidFill>
-          <a:schemeClr val="lt2">
-            <a:alpha val="90000"/>
-            <a:hueOff val="0"/>
-            <a:satOff val="0"/>
-            <a:lumOff val="0"/>
-            <a:alphaOff val="0"/>
-          </a:schemeClr>
-        </a:solidFill>
-        <a:ln w="12700" cap="flat" cmpd="sng" algn="ctr">
-          <a:solidFill>
-            <a:schemeClr val="dk2">
-              <a:hueOff val="0"/>
-              <a:satOff val="0"/>
-              <a:lumOff val="0"/>
-              <a:alphaOff val="0"/>
-            </a:schemeClr>
-          </a:solidFill>
-          <a:prstDash val="solid"/>
-          <a:miter lim="800000"/>
-        </a:ln>
-        <a:effectLst/>
-      </dsp:spPr>
-      <dsp:style>
-        <a:lnRef idx="2">
-          <a:scrgbClr r="0" g="0" b="0"/>
-        </a:lnRef>
-        <a:fillRef idx="1">
-          <a:scrgbClr r="0" g="0" b="0"/>
-        </a:fillRef>
-        <a:effectRef idx="0">
-          <a:scrgbClr r="0" g="0" b="0"/>
-        </a:effectRef>
-        <a:fontRef idx="minor"/>
-      </dsp:style>
-      <dsp:txBody>
-        <a:bodyPr spcFirstLastPara="0" vert="horz" wrap="square" lIns="199136" tIns="17780" rIns="17780" bIns="17780" numCol="1" spcCol="1270" anchor="ctr" anchorCtr="0">
-          <a:noAutofit/>
-        </a:bodyPr>
-        <a:lstStyle/>
-        <a:p>
-          <a:pPr marL="285750" lvl="1" indent="-285750" algn="l" defTabSz="1244600">
-            <a:lnSpc>
-              <a:spcPct val="90000"/>
-            </a:lnSpc>
-            <a:spcBef>
-              <a:spcPct val="0"/>
-            </a:spcBef>
-            <a:spcAft>
-              <a:spcPct val="15000"/>
-            </a:spcAft>
-            <a:buChar char="••"/>
-          </a:pPr>
-          <a:r>
-            <a:rPr lang="zh-CN" altLang="en-US" sz="2800" kern="1200" dirty="0" smtClean="0"/>
-            <a:t>填充内容</a:t>
-          </a:r>
-          <a:endParaRPr lang="zh-CN" altLang="en-US" sz="2800" kern="1200" dirty="0"/>
-        </a:p>
-      </dsp:txBody>
-      <dsp:txXfrm rot="-5400000">
-        <a:off x="730816" y="3739485"/>
-        <a:ext cx="4775632" cy="612360"/>
-      </dsp:txXfrm>
-    </dsp:sp>
   </dsp:spTree>
 </dsp:drawing>
 </file>
@@ -4304,476 +3586,6 @@
       <dsp:cNvGrpSpPr/>
     </dsp:nvGrpSpPr>
     <dsp:grpSpPr/>
-    <dsp:sp modelId="{235E73B3-89E1-4157-9309-C6D460490DF7}">
-      <dsp:nvSpPr>
-        <dsp:cNvPr id="0" name=""/>
-        <dsp:cNvSpPr/>
-      </dsp:nvSpPr>
-      <dsp:spPr>
-        <a:xfrm>
-          <a:off x="1971" y="994644"/>
-          <a:ext cx="1922180" cy="768872"/>
-        </a:xfrm>
-        <a:prstGeom prst="rect">
-          <a:avLst/>
-        </a:prstGeom>
-        <a:solidFill>
-          <a:srgbClr val="5A7A97"/>
-        </a:solidFill>
-        <a:ln w="12700" cap="flat" cmpd="sng" algn="ctr">
-          <a:solidFill>
-            <a:schemeClr val="dk2">
-              <a:hueOff val="0"/>
-              <a:satOff val="0"/>
-              <a:lumOff val="0"/>
-              <a:alphaOff val="0"/>
-            </a:schemeClr>
-          </a:solidFill>
-          <a:prstDash val="solid"/>
-          <a:miter lim="800000"/>
-        </a:ln>
-        <a:effectLst/>
-      </dsp:spPr>
-      <dsp:style>
-        <a:lnRef idx="2">
-          <a:scrgbClr r="0" g="0" b="0"/>
-        </a:lnRef>
-        <a:fillRef idx="1">
-          <a:scrgbClr r="0" g="0" b="0"/>
-        </a:fillRef>
-        <a:effectRef idx="0">
-          <a:scrgbClr r="0" g="0" b="0"/>
-        </a:effectRef>
-        <a:fontRef idx="minor">
-          <a:schemeClr val="lt1"/>
-        </a:fontRef>
-      </dsp:style>
-      <dsp:txBody>
-        <a:bodyPr spcFirstLastPara="0" vert="horz" wrap="square" lIns="192024" tIns="109728" rIns="192024" bIns="109728" numCol="1" spcCol="1270" anchor="ctr" anchorCtr="0">
-          <a:noAutofit/>
-        </a:bodyPr>
-        <a:lstStyle/>
-        <a:p>
-          <a:pPr lvl="0" algn="ctr" defTabSz="1200150">
-            <a:lnSpc>
-              <a:spcPct val="90000"/>
-            </a:lnSpc>
-            <a:spcBef>
-              <a:spcPct val="0"/>
-            </a:spcBef>
-            <a:spcAft>
-              <a:spcPct val="35000"/>
-            </a:spcAft>
-          </a:pPr>
-          <a:r>
-            <a:rPr lang="zh-CN" altLang="en-US" sz="2700" kern="1200" dirty="0" smtClean="0"/>
-            <a:t>多看</a:t>
-          </a:r>
-          <a:endParaRPr lang="zh-CN" altLang="en-US" sz="2700" kern="1200" dirty="0"/>
-        </a:p>
-      </dsp:txBody>
-      <dsp:txXfrm>
-        <a:off x="1971" y="994644"/>
-        <a:ext cx="1922180" cy="768872"/>
-      </dsp:txXfrm>
-    </dsp:sp>
-    <dsp:sp modelId="{1129B4FB-3E07-4CF1-9D59-17B1E9052DC8}">
-      <dsp:nvSpPr>
-        <dsp:cNvPr id="0" name=""/>
-        <dsp:cNvSpPr/>
-      </dsp:nvSpPr>
-      <dsp:spPr>
-        <a:xfrm>
-          <a:off x="1971" y="1763516"/>
-          <a:ext cx="1922180" cy="1987208"/>
-        </a:xfrm>
-        <a:prstGeom prst="rect">
-          <a:avLst/>
-        </a:prstGeom>
-        <a:solidFill>
-          <a:schemeClr val="dk2">
-            <a:alpha val="90000"/>
-            <a:tint val="40000"/>
-            <a:hueOff val="0"/>
-            <a:satOff val="0"/>
-            <a:lumOff val="0"/>
-            <a:alphaOff val="0"/>
-          </a:schemeClr>
-        </a:solidFill>
-        <a:ln w="12700" cap="flat" cmpd="sng" algn="ctr">
-          <a:solidFill>
-            <a:schemeClr val="dk2">
-              <a:alpha val="90000"/>
-              <a:tint val="40000"/>
-              <a:hueOff val="0"/>
-              <a:satOff val="0"/>
-              <a:lumOff val="0"/>
-              <a:alphaOff val="0"/>
-            </a:schemeClr>
-          </a:solidFill>
-          <a:prstDash val="solid"/>
-          <a:miter lim="800000"/>
-        </a:ln>
-        <a:effectLst/>
-      </dsp:spPr>
-      <dsp:style>
-        <a:lnRef idx="2">
-          <a:scrgbClr r="0" g="0" b="0"/>
-        </a:lnRef>
-        <a:fillRef idx="1">
-          <a:scrgbClr r="0" g="0" b="0"/>
-        </a:fillRef>
-        <a:effectRef idx="0">
-          <a:scrgbClr r="0" g="0" b="0"/>
-        </a:effectRef>
-        <a:fontRef idx="minor"/>
-      </dsp:style>
-      <dsp:txBody>
-        <a:bodyPr spcFirstLastPara="0" vert="horz" wrap="square" lIns="144018" tIns="144018" rIns="192024" bIns="216027" numCol="1" spcCol="1270" anchor="t" anchorCtr="0">
-          <a:noAutofit/>
-        </a:bodyPr>
-        <a:lstStyle/>
-        <a:p>
-          <a:pPr marL="228600" lvl="1" indent="-228600" algn="l" defTabSz="1200150">
-            <a:lnSpc>
-              <a:spcPct val="90000"/>
-            </a:lnSpc>
-            <a:spcBef>
-              <a:spcPct val="0"/>
-            </a:spcBef>
-            <a:spcAft>
-              <a:spcPct val="15000"/>
-            </a:spcAft>
-            <a:buChar char="••"/>
-          </a:pPr>
-          <a:r>
-            <a:rPr lang="zh-CN" altLang="en-US" sz="2700" kern="1200" dirty="0" smtClean="0"/>
-            <a:t>多留意优秀</a:t>
-          </a:r>
-          <a:r>
-            <a:rPr lang="en-US" altLang="zh-CN" sz="2700" kern="1200" dirty="0" smtClean="0"/>
-            <a:t>PPT</a:t>
-          </a:r>
-          <a:endParaRPr lang="zh-CN" altLang="en-US" sz="2700" kern="1200" dirty="0"/>
-        </a:p>
-      </dsp:txBody>
-      <dsp:txXfrm>
-        <a:off x="1971" y="1763516"/>
-        <a:ext cx="1922180" cy="1987208"/>
-      </dsp:txXfrm>
-    </dsp:sp>
-    <dsp:sp modelId="{7DF378FC-AE87-4D35-9BFE-FC9ED5C24601}">
-      <dsp:nvSpPr>
-        <dsp:cNvPr id="0" name=""/>
-        <dsp:cNvSpPr/>
-      </dsp:nvSpPr>
-      <dsp:spPr>
-        <a:xfrm>
-          <a:off x="2193257" y="994644"/>
-          <a:ext cx="1922180" cy="768872"/>
-        </a:xfrm>
-        <a:prstGeom prst="rect">
-          <a:avLst/>
-        </a:prstGeom>
-        <a:solidFill>
-          <a:srgbClr val="5A7A97"/>
-        </a:solidFill>
-        <a:ln w="12700" cap="flat" cmpd="sng" algn="ctr">
-          <a:solidFill>
-            <a:schemeClr val="dk2">
-              <a:hueOff val="0"/>
-              <a:satOff val="0"/>
-              <a:lumOff val="0"/>
-              <a:alphaOff val="0"/>
-            </a:schemeClr>
-          </a:solidFill>
-          <a:prstDash val="solid"/>
-          <a:miter lim="800000"/>
-        </a:ln>
-        <a:effectLst/>
-      </dsp:spPr>
-      <dsp:style>
-        <a:lnRef idx="2">
-          <a:scrgbClr r="0" g="0" b="0"/>
-        </a:lnRef>
-        <a:fillRef idx="1">
-          <a:scrgbClr r="0" g="0" b="0"/>
-        </a:fillRef>
-        <a:effectRef idx="0">
-          <a:scrgbClr r="0" g="0" b="0"/>
-        </a:effectRef>
-        <a:fontRef idx="minor">
-          <a:schemeClr val="lt1"/>
-        </a:fontRef>
-      </dsp:style>
-      <dsp:txBody>
-        <a:bodyPr spcFirstLastPara="0" vert="horz" wrap="square" lIns="192024" tIns="109728" rIns="192024" bIns="109728" numCol="1" spcCol="1270" anchor="ctr" anchorCtr="0">
-          <a:noAutofit/>
-        </a:bodyPr>
-        <a:lstStyle/>
-        <a:p>
-          <a:pPr lvl="0" algn="ctr" defTabSz="1200150">
-            <a:lnSpc>
-              <a:spcPct val="90000"/>
-            </a:lnSpc>
-            <a:spcBef>
-              <a:spcPct val="0"/>
-            </a:spcBef>
-            <a:spcAft>
-              <a:spcPct val="35000"/>
-            </a:spcAft>
-          </a:pPr>
-          <a:r>
-            <a:rPr lang="zh-CN" altLang="en-US" sz="2700" kern="1200" dirty="0" smtClean="0"/>
-            <a:t>拆分</a:t>
-          </a:r>
-          <a:endParaRPr lang="zh-CN" altLang="en-US" sz="2700" kern="1200" dirty="0"/>
-        </a:p>
-      </dsp:txBody>
-      <dsp:txXfrm>
-        <a:off x="2193257" y="994644"/>
-        <a:ext cx="1922180" cy="768872"/>
-      </dsp:txXfrm>
-    </dsp:sp>
-    <dsp:sp modelId="{0CAEF32D-0FDB-4669-8155-1DBC3664D966}">
-      <dsp:nvSpPr>
-        <dsp:cNvPr id="0" name=""/>
-        <dsp:cNvSpPr/>
-      </dsp:nvSpPr>
-      <dsp:spPr>
-        <a:xfrm>
-          <a:off x="2193257" y="1763516"/>
-          <a:ext cx="1922180" cy="1987208"/>
-        </a:xfrm>
-        <a:prstGeom prst="rect">
-          <a:avLst/>
-        </a:prstGeom>
-        <a:solidFill>
-          <a:schemeClr val="dk2">
-            <a:alpha val="90000"/>
-            <a:tint val="40000"/>
-            <a:hueOff val="0"/>
-            <a:satOff val="0"/>
-            <a:lumOff val="0"/>
-            <a:alphaOff val="0"/>
-          </a:schemeClr>
-        </a:solidFill>
-        <a:ln w="12700" cap="flat" cmpd="sng" algn="ctr">
-          <a:solidFill>
-            <a:schemeClr val="dk2">
-              <a:alpha val="90000"/>
-              <a:tint val="40000"/>
-              <a:hueOff val="0"/>
-              <a:satOff val="0"/>
-              <a:lumOff val="0"/>
-              <a:alphaOff val="0"/>
-            </a:schemeClr>
-          </a:solidFill>
-          <a:prstDash val="solid"/>
-          <a:miter lim="800000"/>
-        </a:ln>
-        <a:effectLst/>
-      </dsp:spPr>
-      <dsp:style>
-        <a:lnRef idx="2">
-          <a:scrgbClr r="0" g="0" b="0"/>
-        </a:lnRef>
-        <a:fillRef idx="1">
-          <a:scrgbClr r="0" g="0" b="0"/>
-        </a:fillRef>
-        <a:effectRef idx="0">
-          <a:scrgbClr r="0" g="0" b="0"/>
-        </a:effectRef>
-        <a:fontRef idx="minor"/>
-      </dsp:style>
-      <dsp:txBody>
-        <a:bodyPr spcFirstLastPara="0" vert="horz" wrap="square" lIns="144018" tIns="144018" rIns="192024" bIns="216027" numCol="1" spcCol="1270" anchor="t" anchorCtr="0">
-          <a:noAutofit/>
-        </a:bodyPr>
-        <a:lstStyle/>
-        <a:p>
-          <a:pPr marL="228600" lvl="1" indent="-228600" algn="l" defTabSz="1200150">
-            <a:lnSpc>
-              <a:spcPct val="90000"/>
-            </a:lnSpc>
-            <a:spcBef>
-              <a:spcPct val="0"/>
-            </a:spcBef>
-            <a:spcAft>
-              <a:spcPct val="15000"/>
-            </a:spcAft>
-            <a:buChar char="••"/>
-          </a:pPr>
-          <a:r>
-            <a:rPr lang="zh-CN" altLang="en-US" sz="2700" kern="1200" dirty="0" smtClean="0"/>
-            <a:t>拆分优秀</a:t>
-          </a:r>
-          <a:r>
-            <a:rPr lang="en-US" altLang="zh-CN" sz="2700" kern="1200" dirty="0" smtClean="0"/>
-            <a:t>PPT</a:t>
-          </a:r>
-          <a:endParaRPr lang="zh-CN" altLang="en-US" sz="2700" kern="1200" dirty="0"/>
-        </a:p>
-      </dsp:txBody>
-      <dsp:txXfrm>
-        <a:off x="2193257" y="1763516"/>
-        <a:ext cx="1922180" cy="1987208"/>
-      </dsp:txXfrm>
-    </dsp:sp>
-    <dsp:sp modelId="{620EB8DC-2AA3-42CD-97C5-AF5EE46D38C4}">
-      <dsp:nvSpPr>
-        <dsp:cNvPr id="0" name=""/>
-        <dsp:cNvSpPr/>
-      </dsp:nvSpPr>
-      <dsp:spPr>
-        <a:xfrm>
-          <a:off x="4384543" y="994644"/>
-          <a:ext cx="1922180" cy="768872"/>
-        </a:xfrm>
-        <a:prstGeom prst="rect">
-          <a:avLst/>
-        </a:prstGeom>
-        <a:solidFill>
-          <a:srgbClr val="5A7A97"/>
-        </a:solidFill>
-        <a:ln w="12700" cap="flat" cmpd="sng" algn="ctr">
-          <a:solidFill>
-            <a:schemeClr val="dk2">
-              <a:hueOff val="0"/>
-              <a:satOff val="0"/>
-              <a:lumOff val="0"/>
-              <a:alphaOff val="0"/>
-            </a:schemeClr>
-          </a:solidFill>
-          <a:prstDash val="solid"/>
-          <a:miter lim="800000"/>
-        </a:ln>
-        <a:effectLst/>
-      </dsp:spPr>
-      <dsp:style>
-        <a:lnRef idx="2">
-          <a:scrgbClr r="0" g="0" b="0"/>
-        </a:lnRef>
-        <a:fillRef idx="1">
-          <a:scrgbClr r="0" g="0" b="0"/>
-        </a:fillRef>
-        <a:effectRef idx="0">
-          <a:scrgbClr r="0" g="0" b="0"/>
-        </a:effectRef>
-        <a:fontRef idx="minor">
-          <a:schemeClr val="lt1"/>
-        </a:fontRef>
-      </dsp:style>
-      <dsp:txBody>
-        <a:bodyPr spcFirstLastPara="0" vert="horz" wrap="square" lIns="192024" tIns="109728" rIns="192024" bIns="109728" numCol="1" spcCol="1270" anchor="ctr" anchorCtr="0">
-          <a:noAutofit/>
-        </a:bodyPr>
-        <a:lstStyle/>
-        <a:p>
-          <a:pPr lvl="0" algn="ctr" defTabSz="1200150">
-            <a:lnSpc>
-              <a:spcPct val="90000"/>
-            </a:lnSpc>
-            <a:spcBef>
-              <a:spcPct val="0"/>
-            </a:spcBef>
-            <a:spcAft>
-              <a:spcPct val="35000"/>
-            </a:spcAft>
-          </a:pPr>
-          <a:r>
-            <a:rPr lang="zh-CN" altLang="en-US" sz="2700" kern="1200" dirty="0" smtClean="0"/>
-            <a:t>制作</a:t>
-          </a:r>
-          <a:endParaRPr lang="zh-CN" altLang="en-US" sz="2700" kern="1200" dirty="0"/>
-        </a:p>
-      </dsp:txBody>
-      <dsp:txXfrm>
-        <a:off x="4384543" y="994644"/>
-        <a:ext cx="1922180" cy="768872"/>
-      </dsp:txXfrm>
-    </dsp:sp>
-    <dsp:sp modelId="{3CEC7E48-248E-4D29-B01F-F2B62D753AA7}">
-      <dsp:nvSpPr>
-        <dsp:cNvPr id="0" name=""/>
-        <dsp:cNvSpPr/>
-      </dsp:nvSpPr>
-      <dsp:spPr>
-        <a:xfrm>
-          <a:off x="4384543" y="1763516"/>
-          <a:ext cx="1922180" cy="1987208"/>
-        </a:xfrm>
-        <a:prstGeom prst="rect">
-          <a:avLst/>
-        </a:prstGeom>
-        <a:solidFill>
-          <a:schemeClr val="dk2">
-            <a:alpha val="90000"/>
-            <a:tint val="40000"/>
-            <a:hueOff val="0"/>
-            <a:satOff val="0"/>
-            <a:lumOff val="0"/>
-            <a:alphaOff val="0"/>
-          </a:schemeClr>
-        </a:solidFill>
-        <a:ln w="12700" cap="flat" cmpd="sng" algn="ctr">
-          <a:solidFill>
-            <a:schemeClr val="dk2">
-              <a:alpha val="90000"/>
-              <a:tint val="40000"/>
-              <a:hueOff val="0"/>
-              <a:satOff val="0"/>
-              <a:lumOff val="0"/>
-              <a:alphaOff val="0"/>
-            </a:schemeClr>
-          </a:solidFill>
-          <a:prstDash val="solid"/>
-          <a:miter lim="800000"/>
-        </a:ln>
-        <a:effectLst/>
-      </dsp:spPr>
-      <dsp:style>
-        <a:lnRef idx="2">
-          <a:scrgbClr r="0" g="0" b="0"/>
-        </a:lnRef>
-        <a:fillRef idx="1">
-          <a:scrgbClr r="0" g="0" b="0"/>
-        </a:fillRef>
-        <a:effectRef idx="0">
-          <a:scrgbClr r="0" g="0" b="0"/>
-        </a:effectRef>
-        <a:fontRef idx="minor"/>
-      </dsp:style>
-      <dsp:txBody>
-        <a:bodyPr spcFirstLastPara="0" vert="horz" wrap="square" lIns="144018" tIns="144018" rIns="192024" bIns="216027" numCol="1" spcCol="1270" anchor="t" anchorCtr="0">
-          <a:noAutofit/>
-        </a:bodyPr>
-        <a:lstStyle/>
-        <a:p>
-          <a:pPr marL="228600" lvl="1" indent="-228600" algn="l" defTabSz="1200150">
-            <a:lnSpc>
-              <a:spcPct val="90000"/>
-            </a:lnSpc>
-            <a:spcBef>
-              <a:spcPct val="0"/>
-            </a:spcBef>
-            <a:spcAft>
-              <a:spcPct val="15000"/>
-            </a:spcAft>
-            <a:buChar char="••"/>
-          </a:pPr>
-          <a:r>
-            <a:rPr lang="zh-CN" altLang="en-US" sz="2700" kern="1200" dirty="0" smtClean="0"/>
-            <a:t>多使用方法尝试制作</a:t>
-          </a:r>
-          <a:endParaRPr lang="zh-CN" altLang="en-US" sz="2700" kern="1200" dirty="0"/>
-        </a:p>
-      </dsp:txBody>
-      <dsp:txXfrm>
-        <a:off x="4384543" y="1763516"/>
-        <a:ext cx="1922180" cy="1987208"/>
-      </dsp:txXfrm>
-    </dsp:sp>
   </dsp:spTree>
 </dsp:drawing>
 </file>
@@ -7401,7 +6213,7 @@
           <a:p>
             <a:fld id="{D2A48B96-639E-45A3-A0BA-2464DFDB1FAA}" type="datetimeFigureOut">
               <a:rPr lang="zh-CN" altLang="en-US" smtClean="0"/>
-              <a:t>2018/3/5</a:t>
+              <a:t>2018/3/7</a:t>
             </a:fld>
             <a:endParaRPr lang="zh-CN" altLang="en-US"/>
           </a:p>
@@ -7800,7 +6612,7 @@
           <a:p>
             <a:fld id="{D997B5FA-0921-464F-AAE1-844C04324D75}" type="datetimeFigureOut">
               <a:rPr lang="zh-CN" altLang="en-US" smtClean="0"/>
-              <a:t>2018/3/5</a:t>
+              <a:t>2018/3/7</a:t>
             </a:fld>
             <a:endParaRPr lang="zh-CN" altLang="en-US"/>
           </a:p>
@@ -7969,7 +6781,7 @@
           <a:p>
             <a:fld id="{D997B5FA-0921-464F-AAE1-844C04324D75}" type="datetimeFigureOut">
               <a:rPr lang="zh-CN" altLang="en-US" smtClean="0"/>
-              <a:t>2018/3/5</a:t>
+              <a:t>2018/3/7</a:t>
             </a:fld>
             <a:endParaRPr lang="zh-CN" altLang="en-US"/>
           </a:p>
@@ -8148,7 +6960,7 @@
           <a:p>
             <a:fld id="{D997B5FA-0921-464F-AAE1-844C04324D75}" type="datetimeFigureOut">
               <a:rPr lang="zh-CN" altLang="en-US" smtClean="0"/>
-              <a:t>2018/3/5</a:t>
+              <a:t>2018/3/7</a:t>
             </a:fld>
             <a:endParaRPr lang="zh-CN" altLang="en-US"/>
           </a:p>
@@ -8317,7 +7129,7 @@
           <a:p>
             <a:fld id="{D997B5FA-0921-464F-AAE1-844C04324D75}" type="datetimeFigureOut">
               <a:rPr lang="zh-CN" altLang="en-US" smtClean="0"/>
-              <a:t>2018/3/5</a:t>
+              <a:t>2018/3/7</a:t>
             </a:fld>
             <a:endParaRPr lang="zh-CN" altLang="en-US"/>
           </a:p>
@@ -8569,7 +7381,7 @@
           <a:p>
             <a:fld id="{D997B5FA-0921-464F-AAE1-844C04324D75}" type="datetimeFigureOut">
               <a:rPr lang="zh-CN" altLang="en-US" smtClean="0"/>
-              <a:t>2018/3/5</a:t>
+              <a:t>2018/3/7</a:t>
             </a:fld>
             <a:endParaRPr lang="zh-CN" altLang="en-US"/>
           </a:p>
@@ -8800,7 +7612,7 @@
           <a:p>
             <a:fld id="{D997B5FA-0921-464F-AAE1-844C04324D75}" type="datetimeFigureOut">
               <a:rPr lang="zh-CN" altLang="en-US" smtClean="0"/>
-              <a:t>2018/3/5</a:t>
+              <a:t>2018/3/7</a:t>
             </a:fld>
             <a:endParaRPr lang="zh-CN" altLang="en-US"/>
           </a:p>
@@ -9166,7 +7978,7 @@
           <a:p>
             <a:fld id="{D997B5FA-0921-464F-AAE1-844C04324D75}" type="datetimeFigureOut">
               <a:rPr lang="zh-CN" altLang="en-US" smtClean="0"/>
-              <a:t>2018/3/5</a:t>
+              <a:t>2018/3/7</a:t>
             </a:fld>
             <a:endParaRPr lang="zh-CN" altLang="en-US"/>
           </a:p>
@@ -9283,7 +8095,7 @@
           <a:p>
             <a:fld id="{D997B5FA-0921-464F-AAE1-844C04324D75}" type="datetimeFigureOut">
               <a:rPr lang="zh-CN" altLang="en-US" smtClean="0"/>
-              <a:t>2018/3/5</a:t>
+              <a:t>2018/3/7</a:t>
             </a:fld>
             <a:endParaRPr lang="zh-CN" altLang="en-US"/>
           </a:p>
@@ -9377,7 +8189,7 @@
           <a:p>
             <a:fld id="{D997B5FA-0921-464F-AAE1-844C04324D75}" type="datetimeFigureOut">
               <a:rPr lang="zh-CN" altLang="en-US" smtClean="0"/>
-              <a:t>2018/3/5</a:t>
+              <a:t>2018/3/7</a:t>
             </a:fld>
             <a:endParaRPr lang="zh-CN" altLang="en-US"/>
           </a:p>
@@ -9653,7 +8465,7 @@
           <a:p>
             <a:fld id="{D997B5FA-0921-464F-AAE1-844C04324D75}" type="datetimeFigureOut">
               <a:rPr lang="zh-CN" altLang="en-US" smtClean="0"/>
-              <a:t>2018/3/5</a:t>
+              <a:t>2018/3/7</a:t>
             </a:fld>
             <a:endParaRPr lang="zh-CN" altLang="en-US"/>
           </a:p>
@@ -9905,7 +8717,7 @@
           <a:p>
             <a:fld id="{D997B5FA-0921-464F-AAE1-844C04324D75}" type="datetimeFigureOut">
               <a:rPr lang="zh-CN" altLang="en-US" smtClean="0"/>
-              <a:t>2018/3/5</a:t>
+              <a:t>2018/3/7</a:t>
             </a:fld>
             <a:endParaRPr lang="zh-CN" altLang="en-US"/>
           </a:p>
@@ -10117,7 +8929,7 @@
           <a:p>
             <a:fld id="{D997B5FA-0921-464F-AAE1-844C04324D75}" type="datetimeFigureOut">
               <a:rPr lang="zh-CN" altLang="en-US" smtClean="0"/>
-              <a:t>2018/3/5</a:t>
+              <a:t>2018/3/7</a:t>
             </a:fld>
             <a:endParaRPr lang="zh-CN" altLang="en-US"/>
           </a:p>
@@ -17439,7 +16251,7 @@
           <p:nvPr>
             <p:extLst>
               <p:ext uri="{D42A27DB-BD31-4B8C-83A1-F6EECF244321}">
-                <p14:modId xmlns:p14="http://schemas.microsoft.com/office/powerpoint/2010/main" val="2700264049"/>
+                <p14:modId xmlns:p14="http://schemas.microsoft.com/office/powerpoint/2010/main" val="3742585291"/>
               </p:ext>
             </p:extLst>
           </p:nvPr>
@@ -17556,6 +16368,44 @@
           </a:p>
         </p:txBody>
       </p:sp>
+      <p:cxnSp>
+        <p:nvCxnSpPr>
+          <p:cNvPr id="7" name="Straight Connector 6"/>
+          <p:cNvCxnSpPr/>
+          <p:nvPr/>
+        </p:nvCxnSpPr>
+        <p:spPr>
+          <a:xfrm>
+            <a:off x="2954956" y="4514249"/>
+            <a:ext cx="6160168" cy="9625"/>
+          </a:xfrm>
+          <a:prstGeom prst="line">
+            <a:avLst/>
+          </a:prstGeom>
+          <a:ln w="19050">
+            <a:solidFill>
+              <a:schemeClr val="accent1">
+                <a:lumMod val="60000"/>
+                <a:lumOff val="40000"/>
+              </a:schemeClr>
+            </a:solidFill>
+          </a:ln>
+        </p:spPr>
+        <p:style>
+          <a:lnRef idx="1">
+            <a:schemeClr val="accent1"/>
+          </a:lnRef>
+          <a:fillRef idx="0">
+            <a:schemeClr val="accent1"/>
+          </a:fillRef>
+          <a:effectRef idx="0">
+            <a:schemeClr val="accent1"/>
+          </a:effectRef>
+          <a:fontRef idx="minor">
+            <a:schemeClr val="tx1"/>
+          </a:fontRef>
+        </p:style>
+      </p:cxnSp>
     </p:spTree>
     <p:extLst>
       <p:ext uri="{BB962C8B-B14F-4D97-AF65-F5344CB8AC3E}">
